--- a/Project_Space_Debris/Ordner_Yu/Folien/20230201/20230201_Liu_Yu.pptx
+++ b/Project_Space_Debris/Ordner_Yu/Folien/20230201/20230201_Liu_Yu.pptx
@@ -7128,19 +7128,7 @@
             </a:pPr>
             <a:r>
               <a:rPr lang="de-DE" altLang="en-US" sz="1000" dirty="0"/>
-              <a:t>24. </a:t>
-            </a:r>
-            <a:r>
-              <a:rPr lang="de-DE" altLang="en-US" sz="1000" dirty="0" err="1"/>
-              <a:t>January</a:t>
-            </a:r>
-            <a:r>
-              <a:rPr lang="de-DE" altLang="en-US" sz="1000"/>
-              <a:t> 2023, </a:t>
-            </a:r>
-            <a:r>
-              <a:rPr lang="de-DE" altLang="en-US" sz="1000" dirty="0"/>
-              <a:t>Stuttgart</a:t>
+              <a:t>31. January 2023, Stuttgart</a:t>
             </a:r>
           </a:p>
         </p:txBody>
@@ -7392,7 +7380,7 @@
         </p:blipFill>
         <p:spPr>
           <a:xfrm>
-            <a:off x="685800" y="1232297"/>
+            <a:off x="685800" y="1156097"/>
             <a:ext cx="7772400" cy="4622006"/>
           </a:xfrm>
         </p:spPr>
@@ -7491,8 +7479,8 @@
           </a:p>
         </p:txBody>
       </p:sp>
-      <mc:AlternateContent xmlns:mc="http://schemas.openxmlformats.org/markup-compatibility/2006">
-        <mc:Choice xmlns:a14="http://schemas.microsoft.com/office/drawing/2010/main" Requires="a14">
+      <mc:AlternateContent xmlns:mc="http://schemas.openxmlformats.org/markup-compatibility/2006" xmlns:a14="http://schemas.microsoft.com/office/drawing/2010/main">
+        <mc:Choice Requires="a14">
           <p:sp>
             <p:nvSpPr>
               <p:cNvPr id="3" name="Content Placeholder 2">
@@ -7584,7 +7572,7 @@
             </p:txBody>
           </p:sp>
         </mc:Choice>
-        <mc:Fallback>
+        <mc:Fallback xmlns="">
           <p:sp>
             <p:nvSpPr>
               <p:cNvPr id="3" name="Content Placeholder 2">
@@ -7877,7 +7865,15 @@
           <a:p>
             <a:r>
               <a:rPr lang="en-US" altLang="zh-CN" dirty="0"/>
-              <a:t>a - R = 400 km, e = 0</a:t>
+              <a:t>a - R </a:t>
+            </a:r>
+            <a:r>
+              <a:rPr lang="en-US" altLang="zh-CN"/>
+              <a:t>= 1000 </a:t>
+            </a:r>
+            <a:r>
+              <a:rPr lang="en-US" altLang="zh-CN" dirty="0"/>
+              <a:t>km, e = 0</a:t>
             </a:r>
             <a:endParaRPr lang="zh-CN" altLang="en-US" dirty="0"/>
           </a:p>

--- a/Project_Space_Debris/Ordner_Yu/Folien/20230201/20230201_Liu_Yu.pptx
+++ b/Project_Space_Debris/Ordner_Yu/Folien/20230201/20230201_Liu_Yu.pptx
@@ -9607,8 +9607,8 @@
           </a:p>
         </p:txBody>
       </p:sp>
-      <mc:AlternateContent xmlns:mc="http://schemas.openxmlformats.org/markup-compatibility/2006" xmlns:a14="http://schemas.microsoft.com/office/drawing/2010/main">
-        <mc:Choice Requires="a14">
+      <mc:AlternateContent xmlns:mc="http://schemas.openxmlformats.org/markup-compatibility/2006">
+        <mc:Choice xmlns:a14="http://schemas.microsoft.com/office/drawing/2010/main" Requires="a14">
           <p:sp>
             <p:nvSpPr>
               <p:cNvPr id="3" name="Content Placeholder 2">
@@ -9631,14 +9631,14 @@
               <a:lstStyle/>
               <a:p>
                 <a:r>
-                  <a:rPr lang="en-US" altLang="zh-CN"/>
+                  <a:rPr lang="en-US" altLang="zh-CN" dirty="0"/>
                   <a:t>Using Harris-Priester model</a:t>
                 </a:r>
               </a:p>
               <a:p>
                 <a:r>
                   <a:rPr lang="en-US" altLang="zh-CN" dirty="0"/>
-                  <a:t>Earth be regarded as sphere</a:t>
+                  <a:t>Earth being regarded as sphere</a:t>
                 </a:r>
               </a:p>
               <a:p>
@@ -9827,7 +9827,7 @@
             </p:txBody>
           </p:sp>
         </mc:Choice>
-        <mc:Fallback xmlns="">
+        <mc:Fallback>
           <p:sp>
             <p:nvSpPr>
               <p:cNvPr id="3" name="Content Placeholder 2">
